--- a/nodejs-basics-04.pptx
+++ b/nodejs-basics-04.pptx
@@ -9599,37 +9599,19 @@
               <a:rPr lang="en-US" dirty="0">
                 <a:latin typeface="Consolas" panose="020B0609020204030204" pitchFamily="49" charset="0"/>
               </a:rPr>
-              <a:t>const schema = {</a:t>
-            </a:r>
-          </a:p>
-          <a:p>
-            <a:pPr lvl="2"/>
-            <a:r>
-              <a:rPr lang="en-US" sz="2100" dirty="0">
+              <a:t>const schema = </a:t>
+            </a:r>
+            <a:r>
+              <a:rPr lang="en-US" dirty="0" err="1">
                 <a:latin typeface="Consolas" panose="020B0609020204030204" pitchFamily="49" charset="0"/>
               </a:rPr>
-              <a:t>name: </a:t>
-            </a:r>
-            <a:r>
-              <a:rPr lang="en-US" sz="2100" dirty="0" err="1">
-                <a:latin typeface="Consolas" panose="020B0609020204030204" pitchFamily="49" charset="0"/>
-              </a:rPr>
-              <a:t>Joi.string</a:t>
-            </a:r>
-            <a:r>
-              <a:rPr lang="en-US" sz="2100" dirty="0">
-                <a:latin typeface="Consolas" panose="020B0609020204030204" pitchFamily="49" charset="0"/>
-              </a:rPr>
-              <a:t>().min(3).required();</a:t>
-            </a:r>
-          </a:p>
-          <a:p>
-            <a:pPr lvl="1"/>
+              <a:t>Joi.object</a:t>
+            </a:r>
             <a:r>
               <a:rPr lang="en-US" dirty="0">
                 <a:latin typeface="Consolas" panose="020B0609020204030204" pitchFamily="49" charset="0"/>
               </a:rPr>
-              <a:t>}</a:t>
+              <a:t>({</a:t>
             </a:r>
           </a:p>
           <a:p>
@@ -9638,31 +9620,61 @@
               <a:rPr lang="en-US" dirty="0">
                 <a:latin typeface="Consolas" panose="020B0609020204030204" pitchFamily="49" charset="0"/>
               </a:rPr>
-              <a:t>const result = </a:t>
+              <a:t>  name: </a:t>
             </a:r>
             <a:r>
               <a:rPr lang="en-US" dirty="0" err="1">
                 <a:latin typeface="Consolas" panose="020B0609020204030204" pitchFamily="49" charset="0"/>
               </a:rPr>
-              <a:t>Joi.validate</a:t>
+              <a:t>Joi.string</a:t>
             </a:r>
             <a:r>
               <a:rPr lang="en-US" dirty="0">
                 <a:latin typeface="Consolas" panose="020B0609020204030204" pitchFamily="49" charset="0"/>
               </a:rPr>
-              <a:t>(</a:t>
+              <a:t>().min(3).required()</a:t>
+            </a:r>
+          </a:p>
+          <a:p>
+            <a:pPr lvl="1"/>
+            <a:r>
+              <a:rPr lang="en-US" dirty="0">
+                <a:latin typeface="Consolas" panose="020B0609020204030204" pitchFamily="49" charset="0"/>
+              </a:rPr>
+              <a:t>});</a:t>
+            </a:r>
+          </a:p>
+          <a:p>
+            <a:pPr lvl="1"/>
+            <a:r>
+              <a:rPr lang="en-US" dirty="0">
+                <a:latin typeface="Consolas" panose="020B0609020204030204" pitchFamily="49" charset="0"/>
+              </a:rPr>
+              <a:t>const result = </a:t>
             </a:r>
             <a:r>
               <a:rPr lang="en-US" dirty="0" err="1">
                 <a:latin typeface="Consolas" panose="020B0609020204030204" pitchFamily="49" charset="0"/>
               </a:rPr>
-              <a:t>req.body</a:t>
+              <a:t>schema.validate</a:t>
             </a:r>
             <a:r>
               <a:rPr lang="en-US" dirty="0">
                 <a:latin typeface="Consolas" panose="020B0609020204030204" pitchFamily="49" charset="0"/>
               </a:rPr>
-              <a:t>, schema);</a:t>
+              <a:t>(</a:t>
+            </a:r>
+            <a:r>
+              <a:rPr lang="en-US" dirty="0" err="1">
+                <a:latin typeface="Consolas" panose="020B0609020204030204" pitchFamily="49" charset="0"/>
+              </a:rPr>
+              <a:t>req.body</a:t>
+            </a:r>
+            <a:r>
+              <a:rPr lang="en-US" dirty="0">
+                <a:latin typeface="Consolas" panose="020B0609020204030204" pitchFamily="49" charset="0"/>
+              </a:rPr>
+              <a:t>);</a:t>
             </a:r>
           </a:p>
           <a:p>

--- a/nodejs-basics-04.pptx
+++ b/nodejs-basics-04.pptx
@@ -221,7 +221,7 @@
           <a:p>
             <a:fld id="{9B9ECB28-6A22-4037-9487-F3F739F744D6}" type="datetimeFigureOut">
               <a:rPr lang="en-US" smtClean="0"/>
-              <a:t>11/30/2021</a:t>
+              <a:t>12/1/2021</a:t>
             </a:fld>
             <a:endParaRPr lang="en-US"/>
           </a:p>
@@ -672,7 +672,7 @@
           <a:p>
             <a:fld id="{19B6F524-99F3-4BEA-ACD7-976EF4D36657}" type="datetime1">
               <a:rPr lang="en-US" smtClean="0"/>
-              <a:t>11/30/2021</a:t>
+              <a:t>12/1/2021</a:t>
             </a:fld>
             <a:endParaRPr lang="en-US" dirty="0"/>
           </a:p>
@@ -981,7 +981,7 @@
           <a:p>
             <a:fld id="{2145C3A9-05D9-428D-9788-A7F14838F6F9}" type="datetime1">
               <a:rPr lang="en-US" smtClean="0"/>
-              <a:t>11/30/2021</a:t>
+              <a:t>12/1/2021</a:t>
             </a:fld>
             <a:endParaRPr lang="en-US" dirty="0"/>
           </a:p>
@@ -1179,7 +1179,7 @@
           <a:p>
             <a:fld id="{82C701FB-B03E-4981-A9F8-99B474DD173A}" type="datetime1">
               <a:rPr lang="en-US" smtClean="0"/>
-              <a:t>11/30/2021</a:t>
+              <a:t>12/1/2021</a:t>
             </a:fld>
             <a:endParaRPr lang="en-US" dirty="0"/>
           </a:p>
@@ -1446,7 +1446,7 @@
           <a:p>
             <a:fld id="{7A7E8EF3-CBF7-4EB9-B6E5-3754574E3433}" type="datetime1">
               <a:rPr lang="en-US" smtClean="0"/>
-              <a:t>11/30/2021</a:t>
+              <a:t>12/1/2021</a:t>
             </a:fld>
             <a:endParaRPr lang="en-US" dirty="0"/>
           </a:p>
@@ -1886,7 +1886,7 @@
           <a:p>
             <a:fld id="{DA8A4A96-31AC-487C-9F15-1822D58542B7}" type="datetime1">
               <a:rPr lang="en-US" smtClean="0"/>
-              <a:t>11/30/2021</a:t>
+              <a:t>12/1/2021</a:t>
             </a:fld>
             <a:endParaRPr lang="en-US" dirty="0"/>
           </a:p>
@@ -2427,7 +2427,7 @@
           <a:p>
             <a:fld id="{FBBF9546-09C4-4F24-A284-5B81FF8659B4}" type="datetime1">
               <a:rPr lang="en-US" smtClean="0"/>
-              <a:t>11/30/2021</a:t>
+              <a:t>12/1/2021</a:t>
             </a:fld>
             <a:endParaRPr lang="en-US" dirty="0"/>
           </a:p>
@@ -3313,7 +3313,7 @@
           <a:p>
             <a:fld id="{5BF4405D-15A5-450B-B053-484859B9C8F7}" type="datetime1">
               <a:rPr lang="en-US" smtClean="0"/>
-              <a:t>11/30/2021</a:t>
+              <a:t>12/1/2021</a:t>
             </a:fld>
             <a:endParaRPr lang="en-US" dirty="0"/>
           </a:p>
@@ -3487,7 +3487,7 @@
           <a:p>
             <a:fld id="{E0366559-EC21-40C1-8A65-9A3B4EA78391}" type="datetime1">
               <a:rPr lang="en-US" smtClean="0"/>
-              <a:t>11/30/2021</a:t>
+              <a:t>12/1/2021</a:t>
             </a:fld>
             <a:endParaRPr lang="en-US" dirty="0"/>
           </a:p>
@@ -3675,7 +3675,7 @@
           <a:p>
             <a:fld id="{4F09CA92-695C-4FFA-8E37-4D2C288BCC04}" type="datetime1">
               <a:rPr lang="en-US" smtClean="0"/>
-              <a:t>11/30/2021</a:t>
+              <a:t>12/1/2021</a:t>
             </a:fld>
             <a:endParaRPr lang="en-US" dirty="0"/>
           </a:p>
@@ -3849,7 +3849,7 @@
           <a:p>
             <a:fld id="{CA551262-FC07-4FE4-9221-F72F7D4F209A}" type="datetime1">
               <a:rPr lang="en-US" smtClean="0"/>
-              <a:t>11/30/2021</a:t>
+              <a:t>12/1/2021</a:t>
             </a:fld>
             <a:endParaRPr lang="en-US" dirty="0"/>
           </a:p>
@@ -4097,7 +4097,7 @@
           <a:p>
             <a:fld id="{46A321E4-8899-4F7D-BEB1-BD52626ABD8D}" type="datetime1">
               <a:rPr lang="en-US" smtClean="0"/>
-              <a:t>11/30/2021</a:t>
+              <a:t>12/1/2021</a:t>
             </a:fld>
             <a:endParaRPr lang="en-US" dirty="0"/>
           </a:p>
@@ -4343,7 +4343,7 @@
           <a:p>
             <a:fld id="{B53F6DFA-8A0E-4513-867D-18B9AA66B23C}" type="datetime1">
               <a:rPr lang="en-US" smtClean="0"/>
-              <a:t>11/30/2021</a:t>
+              <a:t>12/1/2021</a:t>
             </a:fld>
             <a:endParaRPr lang="en-US" dirty="0"/>
           </a:p>
@@ -4830,7 +4830,7 @@
           <a:p>
             <a:fld id="{154283A7-B9AC-454B-A468-44B75A398B49}" type="datetime1">
               <a:rPr lang="en-US" smtClean="0"/>
-              <a:t>11/30/2021</a:t>
+              <a:t>12/1/2021</a:t>
             </a:fld>
             <a:endParaRPr lang="en-US" dirty="0"/>
           </a:p>
@@ -4952,7 +4952,7 @@
           <a:p>
             <a:fld id="{A3F8184D-DEDD-48A0-9ACA-5F6ED9EFE5B8}" type="datetime1">
               <a:rPr lang="en-US" smtClean="0"/>
-              <a:t>11/30/2021</a:t>
+              <a:t>12/1/2021</a:t>
             </a:fld>
             <a:endParaRPr lang="en-US" dirty="0"/>
           </a:p>
@@ -5051,7 +5051,7 @@
           <a:p>
             <a:fld id="{BF38AC0E-F520-48F3-BA14-8BAB82D735FB}" type="datetime1">
               <a:rPr lang="en-US" smtClean="0"/>
-              <a:t>11/30/2021</a:t>
+              <a:t>12/1/2021</a:t>
             </a:fld>
             <a:endParaRPr lang="en-US" dirty="0"/>
           </a:p>
@@ -5310,7 +5310,7 @@
           <a:p>
             <a:fld id="{317D0F2A-2724-4AD4-BF4C-A7B1910D9412}" type="datetime1">
               <a:rPr lang="en-US" smtClean="0"/>
-              <a:t>11/30/2021</a:t>
+              <a:t>12/1/2021</a:t>
             </a:fld>
             <a:endParaRPr lang="en-US" dirty="0"/>
           </a:p>
@@ -5621,7 +5621,7 @@
           <a:p>
             <a:fld id="{9A0B82A5-4A21-4F82-91DB-989CE997E82E}" type="datetime1">
               <a:rPr lang="en-US" smtClean="0"/>
-              <a:t>11/30/2021</a:t>
+              <a:t>12/1/2021</a:t>
             </a:fld>
             <a:endParaRPr lang="en-US" dirty="0"/>
           </a:p>
@@ -5858,7 +5858,7 @@
           <a:p>
             <a:fld id="{01BFEF8A-AE08-4951-B923-589F814B0C31}" type="datetime1">
               <a:rPr lang="en-US" smtClean="0"/>
-              <a:t>11/30/2021</a:t>
+              <a:t>12/1/2021</a:t>
             </a:fld>
             <a:endParaRPr lang="en-US" dirty="0"/>
           </a:p>
@@ -6676,8 +6676,13 @@
           <a:p>
             <a:r>
               <a:rPr lang="en-US" sz="2800" dirty="0"/>
-              <a:t>04 – Node Modules</a:t>
-            </a:r>
+              <a:t>04 </a:t>
+            </a:r>
+            <a:r>
+              <a:rPr lang="en-US" sz="2800"/>
+              <a:t>– Express</a:t>
+            </a:r>
+            <a:endParaRPr lang="en-US" sz="2800" dirty="0"/>
           </a:p>
         </p:txBody>
       </p:sp>
